--- a/重要 急 不重要 不急.pptx
+++ b/重要 急 不重要 不急.pptx
@@ -243,7 +243,7 @@
           <a:p>
             <a:fld id="{74B9FBB9-53F4-464E-AF37-F92054212F8D}" type="datetimeFigureOut">
               <a:rPr lang="zh-CN" altLang="en-US" smtClean="0"/>
-              <a:t>2018/8/10</a:t>
+              <a:t>2018/8/17</a:t>
             </a:fld>
             <a:endParaRPr lang="zh-CN" altLang="en-US"/>
           </a:p>
@@ -413,7 +413,7 @@
           <a:p>
             <a:fld id="{74B9FBB9-53F4-464E-AF37-F92054212F8D}" type="datetimeFigureOut">
               <a:rPr lang="zh-CN" altLang="en-US" smtClean="0"/>
-              <a:t>2018/8/10</a:t>
+              <a:t>2018/8/17</a:t>
             </a:fld>
             <a:endParaRPr lang="zh-CN" altLang="en-US"/>
           </a:p>
@@ -593,7 +593,7 @@
           <a:p>
             <a:fld id="{74B9FBB9-53F4-464E-AF37-F92054212F8D}" type="datetimeFigureOut">
               <a:rPr lang="zh-CN" altLang="en-US" smtClean="0"/>
-              <a:t>2018/8/10</a:t>
+              <a:t>2018/8/17</a:t>
             </a:fld>
             <a:endParaRPr lang="zh-CN" altLang="en-US"/>
           </a:p>
@@ -763,7 +763,7 @@
           <a:p>
             <a:fld id="{74B9FBB9-53F4-464E-AF37-F92054212F8D}" type="datetimeFigureOut">
               <a:rPr lang="zh-CN" altLang="en-US" smtClean="0"/>
-              <a:t>2018/8/10</a:t>
+              <a:t>2018/8/17</a:t>
             </a:fld>
             <a:endParaRPr lang="zh-CN" altLang="en-US"/>
           </a:p>
@@ -1009,7 +1009,7 @@
           <a:p>
             <a:fld id="{74B9FBB9-53F4-464E-AF37-F92054212F8D}" type="datetimeFigureOut">
               <a:rPr lang="zh-CN" altLang="en-US" smtClean="0"/>
-              <a:t>2018/8/10</a:t>
+              <a:t>2018/8/17</a:t>
             </a:fld>
             <a:endParaRPr lang="zh-CN" altLang="en-US"/>
           </a:p>
@@ -1241,7 +1241,7 @@
           <a:p>
             <a:fld id="{74B9FBB9-53F4-464E-AF37-F92054212F8D}" type="datetimeFigureOut">
               <a:rPr lang="zh-CN" altLang="en-US" smtClean="0"/>
-              <a:t>2018/8/10</a:t>
+              <a:t>2018/8/17</a:t>
             </a:fld>
             <a:endParaRPr lang="zh-CN" altLang="en-US"/>
           </a:p>
@@ -1608,7 +1608,7 @@
           <a:p>
             <a:fld id="{74B9FBB9-53F4-464E-AF37-F92054212F8D}" type="datetimeFigureOut">
               <a:rPr lang="zh-CN" altLang="en-US" smtClean="0"/>
-              <a:t>2018/8/10</a:t>
+              <a:t>2018/8/17</a:t>
             </a:fld>
             <a:endParaRPr lang="zh-CN" altLang="en-US"/>
           </a:p>
@@ -1726,7 +1726,7 @@
           <a:p>
             <a:fld id="{74B9FBB9-53F4-464E-AF37-F92054212F8D}" type="datetimeFigureOut">
               <a:rPr lang="zh-CN" altLang="en-US" smtClean="0"/>
-              <a:t>2018/8/10</a:t>
+              <a:t>2018/8/17</a:t>
             </a:fld>
             <a:endParaRPr lang="zh-CN" altLang="en-US"/>
           </a:p>
@@ -1821,7 +1821,7 @@
           <a:p>
             <a:fld id="{74B9FBB9-53F4-464E-AF37-F92054212F8D}" type="datetimeFigureOut">
               <a:rPr lang="zh-CN" altLang="en-US" smtClean="0"/>
-              <a:t>2018/8/10</a:t>
+              <a:t>2018/8/17</a:t>
             </a:fld>
             <a:endParaRPr lang="zh-CN" altLang="en-US"/>
           </a:p>
@@ -2098,7 +2098,7 @@
           <a:p>
             <a:fld id="{74B9FBB9-53F4-464E-AF37-F92054212F8D}" type="datetimeFigureOut">
               <a:rPr lang="zh-CN" altLang="en-US" smtClean="0"/>
-              <a:t>2018/8/10</a:t>
+              <a:t>2018/8/17</a:t>
             </a:fld>
             <a:endParaRPr lang="zh-CN" altLang="en-US"/>
           </a:p>
@@ -2351,7 +2351,7 @@
           <a:p>
             <a:fld id="{74B9FBB9-53F4-464E-AF37-F92054212F8D}" type="datetimeFigureOut">
               <a:rPr lang="zh-CN" altLang="en-US" smtClean="0"/>
-              <a:t>2018/8/10</a:t>
+              <a:t>2018/8/17</a:t>
             </a:fld>
             <a:endParaRPr lang="zh-CN" altLang="en-US"/>
           </a:p>
@@ -2564,7 +2564,7 @@
           <a:p>
             <a:fld id="{74B9FBB9-53F4-464E-AF37-F92054212F8D}" type="datetimeFigureOut">
               <a:rPr lang="zh-CN" altLang="en-US" smtClean="0"/>
-              <a:t>2018/8/10</a:t>
+              <a:t>2018/8/17</a:t>
             </a:fld>
             <a:endParaRPr lang="zh-CN" altLang="en-US"/>
           </a:p>
@@ -2978,7 +2978,7 @@
           <p:nvPr>
             <p:extLst>
               <p:ext uri="{D42A27DB-BD31-4B8C-83A1-F6EECF244321}">
-                <p14:modId xmlns:p14="http://schemas.microsoft.com/office/powerpoint/2010/main" val="3663140775"/>
+                <p14:modId xmlns:p14="http://schemas.microsoft.com/office/powerpoint/2010/main" val="251629069"/>
               </p:ext>
             </p:extLst>
           </p:nvPr>
@@ -3054,7 +3054,27 @@
                           </a:solidFill>
                           <a:latin typeface="Consolas" panose="020B0609020204030204" pitchFamily="49" charset="0"/>
                         </a:rPr>
-                        <a:t>推荐系统</a:t>
+                        <a:t>整理微信收藏</a:t>
+                      </a:r>
+                      <a:endParaRPr lang="en-US" altLang="zh-CN" sz="2400" b="0" dirty="0" smtClean="0">
+                        <a:solidFill>
+                          <a:schemeClr val="tx1"/>
+                        </a:solidFill>
+                        <a:latin typeface="Consolas" panose="020B0609020204030204" pitchFamily="49" charset="0"/>
+                      </a:endParaRPr>
+                    </a:p>
+                    <a:p>
+                      <a:pPr marL="342900" indent="-342900" algn="l">
+                        <a:buAutoNum type="arabicPeriod"/>
+                      </a:pPr>
+                      <a:r>
+                        <a:rPr lang="zh-CN" altLang="en-US" sz="2400" b="0" dirty="0" smtClean="0">
+                          <a:solidFill>
+                            <a:schemeClr val="tx1"/>
+                          </a:solidFill>
+                          <a:latin typeface="Consolas" panose="020B0609020204030204" pitchFamily="49" charset="0"/>
+                        </a:rPr>
+                        <a:t>整理分词特征值</a:t>
                       </a:r>
                       <a:endParaRPr lang="en-US" altLang="zh-CN" sz="2400" b="0" dirty="0" smtClean="0">
                         <a:solidFill>
@@ -3158,22 +3178,13 @@
                         <a:buAutoNum type="arabicPeriod"/>
                       </a:pPr>
                       <a:r>
-                        <a:rPr lang="zh-CN" altLang="en-US" sz="2400" b="0" dirty="0" smtClean="0">
-                          <a:solidFill>
-                            <a:schemeClr val="tx1"/>
-                          </a:solidFill>
-                          <a:latin typeface="Consolas" panose="020B0609020204030204" pitchFamily="49" charset="0"/>
-                        </a:rPr>
-                        <a:t>整理（</a:t>
-                      </a:r>
-                      <a:r>
                         <a:rPr lang="en-US" altLang="zh-CN" sz="2400" b="0" dirty="0" smtClean="0">
                           <a:solidFill>
                             <a:schemeClr val="tx1"/>
                           </a:solidFill>
                           <a:latin typeface="Consolas" panose="020B0609020204030204" pitchFamily="49" charset="0"/>
                         </a:rPr>
-                        <a:t>SVM</a:t>
+                        <a:t>Logistic</a:t>
                       </a:r>
                       <a:r>
                         <a:rPr lang="zh-CN" altLang="en-US" sz="2400" b="0" dirty="0" smtClean="0">
@@ -3182,7 +3193,7 @@
                           </a:solidFill>
                           <a:latin typeface="Consolas" panose="020B0609020204030204" pitchFamily="49" charset="0"/>
                         </a:rPr>
-                        <a:t>，逻辑回归，其他）</a:t>
+                        <a:t>回归</a:t>
                       </a:r>
                       <a:endParaRPr lang="en-US" altLang="zh-CN" sz="2400" b="0" dirty="0" smtClean="0">
                         <a:solidFill>
@@ -3202,7 +3213,16 @@
                           </a:solidFill>
                           <a:latin typeface="Consolas" panose="020B0609020204030204" pitchFamily="49" charset="0"/>
                         </a:rPr>
-                        <a:t>思维导图</a:t>
+                        <a:t>更新</a:t>
+                      </a:r>
+                      <a:r>
+                        <a:rPr lang="en-US" altLang="zh-CN" sz="2400" b="0" dirty="0" smtClean="0">
+                          <a:solidFill>
+                            <a:schemeClr val="tx1"/>
+                          </a:solidFill>
+                          <a:latin typeface="Consolas" panose="020B0609020204030204" pitchFamily="49" charset="0"/>
+                        </a:rPr>
+                        <a:t>GitHub</a:t>
                       </a:r>
                       <a:endParaRPr lang="en-US" altLang="zh-CN" sz="2400" b="0" dirty="0" smtClean="0">
                         <a:solidFill>
@@ -3216,13 +3236,22 @@
                         <a:buAutoNum type="arabicPeriod"/>
                       </a:pPr>
                       <a:r>
+                        <a:rPr lang="en-US" altLang="zh-CN" sz="2400" b="0" dirty="0" smtClean="0">
+                          <a:solidFill>
+                            <a:schemeClr val="tx1"/>
+                          </a:solidFill>
+                          <a:latin typeface="Consolas" panose="020B0609020204030204" pitchFamily="49" charset="0"/>
+                        </a:rPr>
+                        <a:t>CSDN</a:t>
+                      </a:r>
+                      <a:r>
                         <a:rPr lang="zh-CN" altLang="en-US" sz="2400" b="0" dirty="0" smtClean="0">
                           <a:solidFill>
                             <a:schemeClr val="tx1"/>
                           </a:solidFill>
                           <a:latin typeface="Consolas" panose="020B0609020204030204" pitchFamily="49" charset="0"/>
                         </a:rPr>
-                        <a:t>概率问题</a:t>
+                        <a:t>博客 两篇分词文章</a:t>
                       </a:r>
                       <a:endParaRPr lang="zh-CN" altLang="en-US" sz="2400" b="0" dirty="0">
                         <a:solidFill>

--- a/重要 急 不重要 不急.pptx
+++ b/重要 急 不重要 不急.pptx
@@ -243,7 +243,7 @@
           <a:p>
             <a:fld id="{74B9FBB9-53F4-464E-AF37-F92054212F8D}" type="datetimeFigureOut">
               <a:rPr lang="zh-CN" altLang="en-US" smtClean="0"/>
-              <a:t>2018/8/17</a:t>
+              <a:t>2018/8/20</a:t>
             </a:fld>
             <a:endParaRPr lang="zh-CN" altLang="en-US"/>
           </a:p>
@@ -413,7 +413,7 @@
           <a:p>
             <a:fld id="{74B9FBB9-53F4-464E-AF37-F92054212F8D}" type="datetimeFigureOut">
               <a:rPr lang="zh-CN" altLang="en-US" smtClean="0"/>
-              <a:t>2018/8/17</a:t>
+              <a:t>2018/8/20</a:t>
             </a:fld>
             <a:endParaRPr lang="zh-CN" altLang="en-US"/>
           </a:p>
@@ -593,7 +593,7 @@
           <a:p>
             <a:fld id="{74B9FBB9-53F4-464E-AF37-F92054212F8D}" type="datetimeFigureOut">
               <a:rPr lang="zh-CN" altLang="en-US" smtClean="0"/>
-              <a:t>2018/8/17</a:t>
+              <a:t>2018/8/20</a:t>
             </a:fld>
             <a:endParaRPr lang="zh-CN" altLang="en-US"/>
           </a:p>
@@ -763,7 +763,7 @@
           <a:p>
             <a:fld id="{74B9FBB9-53F4-464E-AF37-F92054212F8D}" type="datetimeFigureOut">
               <a:rPr lang="zh-CN" altLang="en-US" smtClean="0"/>
-              <a:t>2018/8/17</a:t>
+              <a:t>2018/8/20</a:t>
             </a:fld>
             <a:endParaRPr lang="zh-CN" altLang="en-US"/>
           </a:p>
@@ -1009,7 +1009,7 @@
           <a:p>
             <a:fld id="{74B9FBB9-53F4-464E-AF37-F92054212F8D}" type="datetimeFigureOut">
               <a:rPr lang="zh-CN" altLang="en-US" smtClean="0"/>
-              <a:t>2018/8/17</a:t>
+              <a:t>2018/8/20</a:t>
             </a:fld>
             <a:endParaRPr lang="zh-CN" altLang="en-US"/>
           </a:p>
@@ -1241,7 +1241,7 @@
           <a:p>
             <a:fld id="{74B9FBB9-53F4-464E-AF37-F92054212F8D}" type="datetimeFigureOut">
               <a:rPr lang="zh-CN" altLang="en-US" smtClean="0"/>
-              <a:t>2018/8/17</a:t>
+              <a:t>2018/8/20</a:t>
             </a:fld>
             <a:endParaRPr lang="zh-CN" altLang="en-US"/>
           </a:p>
@@ -1608,7 +1608,7 @@
           <a:p>
             <a:fld id="{74B9FBB9-53F4-464E-AF37-F92054212F8D}" type="datetimeFigureOut">
               <a:rPr lang="zh-CN" altLang="en-US" smtClean="0"/>
-              <a:t>2018/8/17</a:t>
+              <a:t>2018/8/20</a:t>
             </a:fld>
             <a:endParaRPr lang="zh-CN" altLang="en-US"/>
           </a:p>
@@ -1726,7 +1726,7 @@
           <a:p>
             <a:fld id="{74B9FBB9-53F4-464E-AF37-F92054212F8D}" type="datetimeFigureOut">
               <a:rPr lang="zh-CN" altLang="en-US" smtClean="0"/>
-              <a:t>2018/8/17</a:t>
+              <a:t>2018/8/20</a:t>
             </a:fld>
             <a:endParaRPr lang="zh-CN" altLang="en-US"/>
           </a:p>
@@ -1821,7 +1821,7 @@
           <a:p>
             <a:fld id="{74B9FBB9-53F4-464E-AF37-F92054212F8D}" type="datetimeFigureOut">
               <a:rPr lang="zh-CN" altLang="en-US" smtClean="0"/>
-              <a:t>2018/8/17</a:t>
+              <a:t>2018/8/20</a:t>
             </a:fld>
             <a:endParaRPr lang="zh-CN" altLang="en-US"/>
           </a:p>
@@ -2098,7 +2098,7 @@
           <a:p>
             <a:fld id="{74B9FBB9-53F4-464E-AF37-F92054212F8D}" type="datetimeFigureOut">
               <a:rPr lang="zh-CN" altLang="en-US" smtClean="0"/>
-              <a:t>2018/8/17</a:t>
+              <a:t>2018/8/20</a:t>
             </a:fld>
             <a:endParaRPr lang="zh-CN" altLang="en-US"/>
           </a:p>
@@ -2351,7 +2351,7 @@
           <a:p>
             <a:fld id="{74B9FBB9-53F4-464E-AF37-F92054212F8D}" type="datetimeFigureOut">
               <a:rPr lang="zh-CN" altLang="en-US" smtClean="0"/>
-              <a:t>2018/8/17</a:t>
+              <a:t>2018/8/20</a:t>
             </a:fld>
             <a:endParaRPr lang="zh-CN" altLang="en-US"/>
           </a:p>
@@ -2564,7 +2564,7 @@
           <a:p>
             <a:fld id="{74B9FBB9-53F4-464E-AF37-F92054212F8D}" type="datetimeFigureOut">
               <a:rPr lang="zh-CN" altLang="en-US" smtClean="0"/>
-              <a:t>2018/8/17</a:t>
+              <a:t>2018/8/20</a:t>
             </a:fld>
             <a:endParaRPr lang="zh-CN" altLang="en-US"/>
           </a:p>
@@ -2978,7 +2978,7 @@
           <p:nvPr>
             <p:extLst>
               <p:ext uri="{D42A27DB-BD31-4B8C-83A1-F6EECF244321}">
-                <p14:modId xmlns:p14="http://schemas.microsoft.com/office/powerpoint/2010/main" val="251629069"/>
+                <p14:modId xmlns:p14="http://schemas.microsoft.com/office/powerpoint/2010/main" val="3616377704"/>
               </p:ext>
             </p:extLst>
           </p:nvPr>
@@ -3054,19 +3054,8 @@
                           </a:solidFill>
                           <a:latin typeface="Consolas" panose="020B0609020204030204" pitchFamily="49" charset="0"/>
                         </a:rPr>
-                        <a:t>整理微信收藏</a:t>
+                        <a:t>整理</a:t>
                       </a:r>
-                      <a:endParaRPr lang="en-US" altLang="zh-CN" sz="2400" b="0" dirty="0" smtClean="0">
-                        <a:solidFill>
-                          <a:schemeClr val="tx1"/>
-                        </a:solidFill>
-                        <a:latin typeface="Consolas" panose="020B0609020204030204" pitchFamily="49" charset="0"/>
-                      </a:endParaRPr>
-                    </a:p>
-                    <a:p>
-                      <a:pPr marL="342900" indent="-342900" algn="l">
-                        <a:buAutoNum type="arabicPeriod"/>
-                      </a:pPr>
                       <a:r>
                         <a:rPr lang="zh-CN" altLang="en-US" sz="2400" b="0" dirty="0" smtClean="0">
                           <a:solidFill>
@@ -3074,7 +3063,16 @@
                           </a:solidFill>
                           <a:latin typeface="Consolas" panose="020B0609020204030204" pitchFamily="49" charset="0"/>
                         </a:rPr>
-                        <a:t>整理分词特征值</a:t>
+                        <a:t>分词</a:t>
+                      </a:r>
+                      <a:r>
+                        <a:rPr lang="zh-CN" altLang="en-US" sz="2400" b="0" dirty="0" smtClean="0">
+                          <a:solidFill>
+                            <a:schemeClr val="tx1"/>
+                          </a:solidFill>
+                          <a:latin typeface="Consolas" panose="020B0609020204030204" pitchFamily="49" charset="0"/>
+                        </a:rPr>
+                        <a:t>特征值</a:t>
                       </a:r>
                       <a:endParaRPr lang="en-US" altLang="zh-CN" sz="2400" b="0" dirty="0" smtClean="0">
                         <a:solidFill>
@@ -3132,7 +3130,7 @@
                           </a:solidFill>
                           <a:latin typeface="Consolas" panose="020B0609020204030204" pitchFamily="49" charset="0"/>
                         </a:rPr>
-                        <a:t>兴趣爱好</a:t>
+                        <a:t>开会</a:t>
                       </a:r>
                       <a:endParaRPr lang="en-US" altLang="zh-CN" sz="2400" b="0" dirty="0" smtClean="0">
                         <a:solidFill>
@@ -3207,35 +3205,6 @@
                         <a:buAutoNum type="arabicPeriod"/>
                       </a:pPr>
                       <a:r>
-                        <a:rPr lang="zh-CN" altLang="en-US" sz="2400" b="0" dirty="0" smtClean="0">
-                          <a:solidFill>
-                            <a:schemeClr val="tx1"/>
-                          </a:solidFill>
-                          <a:latin typeface="Consolas" panose="020B0609020204030204" pitchFamily="49" charset="0"/>
-                        </a:rPr>
-                        <a:t>更新</a:t>
-                      </a:r>
-                      <a:r>
-                        <a:rPr lang="en-US" altLang="zh-CN" sz="2400" b="0" dirty="0" smtClean="0">
-                          <a:solidFill>
-                            <a:schemeClr val="tx1"/>
-                          </a:solidFill>
-                          <a:latin typeface="Consolas" panose="020B0609020204030204" pitchFamily="49" charset="0"/>
-                        </a:rPr>
-                        <a:t>GitHub</a:t>
-                      </a:r>
-                      <a:endParaRPr lang="en-US" altLang="zh-CN" sz="2400" b="0" dirty="0" smtClean="0">
-                        <a:solidFill>
-                          <a:schemeClr val="tx1"/>
-                        </a:solidFill>
-                        <a:latin typeface="Consolas" panose="020B0609020204030204" pitchFamily="49" charset="0"/>
-                      </a:endParaRPr>
-                    </a:p>
-                    <a:p>
-                      <a:pPr marL="342900" indent="-342900" algn="l">
-                        <a:buAutoNum type="arabicPeriod"/>
-                      </a:pPr>
-                      <a:r>
                         <a:rPr lang="en-US" altLang="zh-CN" sz="2400" b="0" dirty="0" smtClean="0">
                           <a:solidFill>
                             <a:schemeClr val="tx1"/>
@@ -3251,7 +3220,65 @@
                           </a:solidFill>
                           <a:latin typeface="Consolas" panose="020B0609020204030204" pitchFamily="49" charset="0"/>
                         </a:rPr>
-                        <a:t>博客 两篇分词文章</a:t>
+                        <a:t>博客 两</a:t>
+                      </a:r>
+                      <a:r>
+                        <a:rPr lang="zh-CN" altLang="en-US" sz="2400" b="0" dirty="0" smtClean="0">
+                          <a:solidFill>
+                            <a:schemeClr val="tx1"/>
+                          </a:solidFill>
+                          <a:latin typeface="Consolas" panose="020B0609020204030204" pitchFamily="49" charset="0"/>
+                        </a:rPr>
+                        <a:t>篇文章</a:t>
+                      </a:r>
+                      <a:endParaRPr lang="en-US" altLang="zh-CN" sz="2400" b="0" dirty="0" smtClean="0">
+                        <a:solidFill>
+                          <a:schemeClr val="tx1"/>
+                        </a:solidFill>
+                        <a:latin typeface="Consolas" panose="020B0609020204030204" pitchFamily="49" charset="0"/>
+                      </a:endParaRPr>
+                    </a:p>
+                    <a:p>
+                      <a:pPr marL="342900" indent="-342900" algn="l">
+                        <a:buAutoNum type="arabicPeriod"/>
+                      </a:pPr>
+                      <a:r>
+                        <a:rPr lang="zh-CN" altLang="en-US" sz="2400" b="0" dirty="0" smtClean="0">
+                          <a:solidFill>
+                            <a:schemeClr val="tx1"/>
+                          </a:solidFill>
+                          <a:latin typeface="Consolas" panose="020B0609020204030204" pitchFamily="49" charset="0"/>
+                        </a:rPr>
+                        <a:t>论文</a:t>
+                      </a:r>
+                      <a:r>
+                        <a:rPr lang="en-US" altLang="zh-CN" sz="2400" b="0" dirty="0" err="1" smtClean="0">
+                          <a:solidFill>
+                            <a:schemeClr val="tx1"/>
+                          </a:solidFill>
+                          <a:latin typeface="Consolas" panose="020B0609020204030204" pitchFamily="49" charset="0"/>
+                        </a:rPr>
+                        <a:t>DeepLearning</a:t>
+                      </a:r>
+                      <a:endParaRPr lang="en-US" altLang="zh-CN" sz="2400" b="0" dirty="0" smtClean="0">
+                        <a:solidFill>
+                          <a:schemeClr val="tx1"/>
+                        </a:solidFill>
+                        <a:latin typeface="Consolas" panose="020B0609020204030204" pitchFamily="49" charset="0"/>
+                      </a:endParaRPr>
+                    </a:p>
+                    <a:p>
+                      <a:pPr marL="342900" indent="-342900" algn="l">
+                        <a:buAutoNum type="arabicPeriod"/>
+                      </a:pPr>
+                      <a:r>
+                        <a:rPr lang="zh-CN" altLang="en-US" sz="2400" b="0" dirty="0" smtClean="0">
+                          <a:solidFill>
+                            <a:schemeClr val="tx1"/>
+                          </a:solidFill>
+                          <a:latin typeface="Consolas" panose="020B0609020204030204" pitchFamily="49" charset="0"/>
+                        </a:rPr>
+                        <a:t>兴趣爱好</a:t>
                       </a:r>
                       <a:endParaRPr lang="zh-CN" altLang="en-US" sz="2400" b="0" dirty="0">
                         <a:solidFill>

--- a/重要 急 不重要 不急.pptx
+++ b/重要 急 不重要 不急.pptx
@@ -243,7 +243,7 @@
           <a:p>
             <a:fld id="{74B9FBB9-53F4-464E-AF37-F92054212F8D}" type="datetimeFigureOut">
               <a:rPr lang="zh-CN" altLang="en-US" smtClean="0"/>
-              <a:t>2018/8/20</a:t>
+              <a:t>2018/8/29</a:t>
             </a:fld>
             <a:endParaRPr lang="zh-CN" altLang="en-US"/>
           </a:p>
@@ -413,7 +413,7 @@
           <a:p>
             <a:fld id="{74B9FBB9-53F4-464E-AF37-F92054212F8D}" type="datetimeFigureOut">
               <a:rPr lang="zh-CN" altLang="en-US" smtClean="0"/>
-              <a:t>2018/8/20</a:t>
+              <a:t>2018/8/29</a:t>
             </a:fld>
             <a:endParaRPr lang="zh-CN" altLang="en-US"/>
           </a:p>
@@ -593,7 +593,7 @@
           <a:p>
             <a:fld id="{74B9FBB9-53F4-464E-AF37-F92054212F8D}" type="datetimeFigureOut">
               <a:rPr lang="zh-CN" altLang="en-US" smtClean="0"/>
-              <a:t>2018/8/20</a:t>
+              <a:t>2018/8/29</a:t>
             </a:fld>
             <a:endParaRPr lang="zh-CN" altLang="en-US"/>
           </a:p>
@@ -763,7 +763,7 @@
           <a:p>
             <a:fld id="{74B9FBB9-53F4-464E-AF37-F92054212F8D}" type="datetimeFigureOut">
               <a:rPr lang="zh-CN" altLang="en-US" smtClean="0"/>
-              <a:t>2018/8/20</a:t>
+              <a:t>2018/8/29</a:t>
             </a:fld>
             <a:endParaRPr lang="zh-CN" altLang="en-US"/>
           </a:p>
@@ -1009,7 +1009,7 @@
           <a:p>
             <a:fld id="{74B9FBB9-53F4-464E-AF37-F92054212F8D}" type="datetimeFigureOut">
               <a:rPr lang="zh-CN" altLang="en-US" smtClean="0"/>
-              <a:t>2018/8/20</a:t>
+              <a:t>2018/8/29</a:t>
             </a:fld>
             <a:endParaRPr lang="zh-CN" altLang="en-US"/>
           </a:p>
@@ -1241,7 +1241,7 @@
           <a:p>
             <a:fld id="{74B9FBB9-53F4-464E-AF37-F92054212F8D}" type="datetimeFigureOut">
               <a:rPr lang="zh-CN" altLang="en-US" smtClean="0"/>
-              <a:t>2018/8/20</a:t>
+              <a:t>2018/8/29</a:t>
             </a:fld>
             <a:endParaRPr lang="zh-CN" altLang="en-US"/>
           </a:p>
@@ -1608,7 +1608,7 @@
           <a:p>
             <a:fld id="{74B9FBB9-53F4-464E-AF37-F92054212F8D}" type="datetimeFigureOut">
               <a:rPr lang="zh-CN" altLang="en-US" smtClean="0"/>
-              <a:t>2018/8/20</a:t>
+              <a:t>2018/8/29</a:t>
             </a:fld>
             <a:endParaRPr lang="zh-CN" altLang="en-US"/>
           </a:p>
@@ -1726,7 +1726,7 @@
           <a:p>
             <a:fld id="{74B9FBB9-53F4-464E-AF37-F92054212F8D}" type="datetimeFigureOut">
               <a:rPr lang="zh-CN" altLang="en-US" smtClean="0"/>
-              <a:t>2018/8/20</a:t>
+              <a:t>2018/8/29</a:t>
             </a:fld>
             <a:endParaRPr lang="zh-CN" altLang="en-US"/>
           </a:p>
@@ -1821,7 +1821,7 @@
           <a:p>
             <a:fld id="{74B9FBB9-53F4-464E-AF37-F92054212F8D}" type="datetimeFigureOut">
               <a:rPr lang="zh-CN" altLang="en-US" smtClean="0"/>
-              <a:t>2018/8/20</a:t>
+              <a:t>2018/8/29</a:t>
             </a:fld>
             <a:endParaRPr lang="zh-CN" altLang="en-US"/>
           </a:p>
@@ -2098,7 +2098,7 @@
           <a:p>
             <a:fld id="{74B9FBB9-53F4-464E-AF37-F92054212F8D}" type="datetimeFigureOut">
               <a:rPr lang="zh-CN" altLang="en-US" smtClean="0"/>
-              <a:t>2018/8/20</a:t>
+              <a:t>2018/8/29</a:t>
             </a:fld>
             <a:endParaRPr lang="zh-CN" altLang="en-US"/>
           </a:p>
@@ -2351,7 +2351,7 @@
           <a:p>
             <a:fld id="{74B9FBB9-53F4-464E-AF37-F92054212F8D}" type="datetimeFigureOut">
               <a:rPr lang="zh-CN" altLang="en-US" smtClean="0"/>
-              <a:t>2018/8/20</a:t>
+              <a:t>2018/8/29</a:t>
             </a:fld>
             <a:endParaRPr lang="zh-CN" altLang="en-US"/>
           </a:p>
@@ -2564,7 +2564,7 @@
           <a:p>
             <a:fld id="{74B9FBB9-53F4-464E-AF37-F92054212F8D}" type="datetimeFigureOut">
               <a:rPr lang="zh-CN" altLang="en-US" smtClean="0"/>
-              <a:t>2018/8/20</a:t>
+              <a:t>2018/8/29</a:t>
             </a:fld>
             <a:endParaRPr lang="zh-CN" altLang="en-US"/>
           </a:p>
@@ -2978,7 +2978,7 @@
           <p:nvPr>
             <p:extLst>
               <p:ext uri="{D42A27DB-BD31-4B8C-83A1-F6EECF244321}">
-                <p14:modId xmlns:p14="http://schemas.microsoft.com/office/powerpoint/2010/main" val="3616377704"/>
+                <p14:modId xmlns:p14="http://schemas.microsoft.com/office/powerpoint/2010/main" val="964633160"/>
               </p:ext>
             </p:extLst>
           </p:nvPr>
@@ -3054,7 +3054,16 @@
                           </a:solidFill>
                           <a:latin typeface="Consolas" panose="020B0609020204030204" pitchFamily="49" charset="0"/>
                         </a:rPr>
-                        <a:t>整理</a:t>
+                        <a:t>数据访问权限的功能</a:t>
+                      </a:r>
+                      <a:r>
+                        <a:rPr lang="en-US" altLang="zh-CN" sz="2400" b="0" dirty="0" smtClean="0">
+                          <a:solidFill>
+                            <a:schemeClr val="tx1"/>
+                          </a:solidFill>
+                          <a:latin typeface="Consolas" panose="020B0609020204030204" pitchFamily="49" charset="0"/>
+                        </a:rPr>
+                        <a:t>-</a:t>
                       </a:r>
                       <a:r>
                         <a:rPr lang="zh-CN" altLang="en-US" sz="2400" b="0" dirty="0" smtClean="0">
@@ -3063,7 +3072,54 @@
                           </a:solidFill>
                           <a:latin typeface="Consolas" panose="020B0609020204030204" pitchFamily="49" charset="0"/>
                         </a:rPr>
-                        <a:t>分词</a:t>
+                        <a:t>最终方案（一小时 列举出来</a:t>
+                      </a:r>
+                      <a:r>
+                        <a:rPr lang="en-US" altLang="zh-CN" sz="2400" b="0" dirty="0" smtClean="0">
+                          <a:solidFill>
+                            <a:schemeClr val="tx1"/>
+                          </a:solidFill>
+                          <a:latin typeface="Consolas" panose="020B0609020204030204" pitchFamily="49" charset="0"/>
+                        </a:rPr>
+                        <a:t>-</a:t>
+                      </a:r>
+                      <a:r>
+                        <a:rPr lang="zh-CN" altLang="en-US" sz="2400" b="0" smtClean="0">
+                          <a:solidFill>
+                            <a:schemeClr val="tx1"/>
+                          </a:solidFill>
+                          <a:latin typeface="Consolas" panose="020B0609020204030204" pitchFamily="49" charset="0"/>
+                        </a:rPr>
+                        <a:t>实现第一步）</a:t>
+                      </a:r>
+                      <a:endParaRPr lang="en-US" altLang="zh-CN" sz="2400" b="0" dirty="0" smtClean="0">
+                        <a:solidFill>
+                          <a:schemeClr val="tx1"/>
+                        </a:solidFill>
+                        <a:latin typeface="Consolas" panose="020B0609020204030204" pitchFamily="49" charset="0"/>
+                      </a:endParaRPr>
+                    </a:p>
+                    <a:p>
+                      <a:pPr marL="342900" indent="-342900" algn="l">
+                        <a:buAutoNum type="arabicPeriod"/>
+                      </a:pPr>
+                      <a:r>
+                        <a:rPr lang="zh-CN" altLang="en-US" sz="2400" b="0" dirty="0" smtClean="0">
+                          <a:solidFill>
+                            <a:schemeClr val="tx1"/>
+                          </a:solidFill>
+                          <a:latin typeface="Consolas" panose="020B0609020204030204" pitchFamily="49" charset="0"/>
+                        </a:rPr>
+                        <a:t>爬虫笔记代码实现</a:t>
+                      </a:r>
+                      <a:r>
+                        <a:rPr lang="en-US" altLang="zh-CN" sz="2400" b="0" dirty="0" smtClean="0">
+                          <a:solidFill>
+                            <a:schemeClr val="tx1"/>
+                          </a:solidFill>
+                          <a:latin typeface="Consolas" panose="020B0609020204030204" pitchFamily="49" charset="0"/>
+                        </a:rPr>
+                        <a:t>-</a:t>
                       </a:r>
                       <a:r>
                         <a:rPr lang="zh-CN" altLang="en-US" sz="2400" b="0" dirty="0" smtClean="0">
@@ -3072,7 +3128,25 @@
                           </a:solidFill>
                           <a:latin typeface="Consolas" panose="020B0609020204030204" pitchFamily="49" charset="0"/>
                         </a:rPr>
-                        <a:t>特征值</a:t>
+                        <a:t>上传</a:t>
+                      </a:r>
+                      <a:r>
+                        <a:rPr lang="en-US" altLang="zh-CN" sz="2400" b="0" dirty="0" smtClean="0">
+                          <a:solidFill>
+                            <a:schemeClr val="tx1"/>
+                          </a:solidFill>
+                          <a:latin typeface="Consolas" panose="020B0609020204030204" pitchFamily="49" charset="0"/>
+                        </a:rPr>
+                        <a:t>GH</a:t>
+                      </a:r>
+                      <a:r>
+                        <a:rPr lang="zh-CN" altLang="en-US" sz="2400" b="0" dirty="0" smtClean="0">
+                          <a:solidFill>
+                            <a:schemeClr val="tx1"/>
+                          </a:solidFill>
+                          <a:latin typeface="Consolas" panose="020B0609020204030204" pitchFamily="49" charset="0"/>
+                        </a:rPr>
+                        <a:t>（一小时）</a:t>
                       </a:r>
                       <a:endParaRPr lang="en-US" altLang="zh-CN" sz="2400" b="0" dirty="0" smtClean="0">
                         <a:solidFill>
@@ -3121,16 +3195,16 @@
                           </a:solidFill>
                           <a:latin typeface="Consolas" panose="020B0609020204030204" pitchFamily="49" charset="0"/>
                         </a:rPr>
-                        <a:t>1.</a:t>
+                        <a:t>1</a:t>
                       </a:r>
                       <a:r>
-                        <a:rPr lang="zh-CN" altLang="en-US" sz="2400" b="0" dirty="0" smtClean="0">
+                        <a:rPr lang="en-US" altLang="zh-CN" sz="2400" b="0" dirty="0" smtClean="0">
                           <a:solidFill>
                             <a:schemeClr val="tx1"/>
                           </a:solidFill>
                           <a:latin typeface="Consolas" panose="020B0609020204030204" pitchFamily="49" charset="0"/>
                         </a:rPr>
-                        <a:t>开会</a:t>
+                        <a:t>.</a:t>
                       </a:r>
                       <a:endParaRPr lang="en-US" altLang="zh-CN" sz="2400" b="0" dirty="0" smtClean="0">
                         <a:solidFill>
@@ -3182,7 +3256,7 @@
                           </a:solidFill>
                           <a:latin typeface="Consolas" panose="020B0609020204030204" pitchFamily="49" charset="0"/>
                         </a:rPr>
-                        <a:t>Logistic</a:t>
+                        <a:t>GitHub Wiki</a:t>
                       </a:r>
                       <a:r>
                         <a:rPr lang="zh-CN" altLang="en-US" sz="2400" b="0" dirty="0" smtClean="0">
@@ -3191,19 +3265,8 @@
                           </a:solidFill>
                           <a:latin typeface="Consolas" panose="020B0609020204030204" pitchFamily="49" charset="0"/>
                         </a:rPr>
-                        <a:t>回归</a:t>
+                        <a:t>侧边栏 </a:t>
                       </a:r>
-                      <a:endParaRPr lang="en-US" altLang="zh-CN" sz="2400" b="0" dirty="0" smtClean="0">
-                        <a:solidFill>
-                          <a:schemeClr val="tx1"/>
-                        </a:solidFill>
-                        <a:latin typeface="Consolas" panose="020B0609020204030204" pitchFamily="49" charset="0"/>
-                      </a:endParaRPr>
-                    </a:p>
-                    <a:p>
-                      <a:pPr marL="342900" indent="-342900" algn="l">
-                        <a:buAutoNum type="arabicPeriod"/>
-                      </a:pPr>
                       <a:r>
                         <a:rPr lang="en-US" altLang="zh-CN" sz="2400" b="0" dirty="0" smtClean="0">
                           <a:solidFill>
@@ -3211,7 +3274,7 @@
                           </a:solidFill>
                           <a:latin typeface="Consolas" panose="020B0609020204030204" pitchFamily="49" charset="0"/>
                         </a:rPr>
-                        <a:t>CSDN</a:t>
+                        <a:t>+ </a:t>
                       </a:r>
                       <a:r>
                         <a:rPr lang="zh-CN" altLang="en-US" sz="2400" b="0" dirty="0" smtClean="0">
@@ -3220,23 +3283,8 @@
                           </a:solidFill>
                           <a:latin typeface="Consolas" panose="020B0609020204030204" pitchFamily="49" charset="0"/>
                         </a:rPr>
-                        <a:t>博客 两</a:t>
+                        <a:t>主要内容部分（半小时）</a:t>
                       </a:r>
-                      <a:r>
-                        <a:rPr lang="zh-CN" altLang="en-US" sz="2400" b="0" dirty="0" smtClean="0">
-                          <a:solidFill>
-                            <a:schemeClr val="tx1"/>
-                          </a:solidFill>
-                          <a:latin typeface="Consolas" panose="020B0609020204030204" pitchFamily="49" charset="0"/>
-                        </a:rPr>
-                        <a:t>篇文章</a:t>
-                      </a:r>
-                      <a:endParaRPr lang="en-US" altLang="zh-CN" sz="2400" b="0" dirty="0" smtClean="0">
-                        <a:solidFill>
-                          <a:schemeClr val="tx1"/>
-                        </a:solidFill>
-                        <a:latin typeface="Consolas" panose="020B0609020204030204" pitchFamily="49" charset="0"/>
-                      </a:endParaRPr>
                     </a:p>
                     <a:p>
                       <a:pPr marL="342900" indent="-342900" algn="l">
@@ -3260,17 +3308,15 @@
                         </a:rPr>
                         <a:t>DeepLearning</a:t>
                       </a:r>
-                      <a:endParaRPr lang="en-US" altLang="zh-CN" sz="2400" b="0" dirty="0" smtClean="0">
-                        <a:solidFill>
-                          <a:schemeClr val="tx1"/>
-                        </a:solidFill>
-                        <a:latin typeface="Consolas" panose="020B0609020204030204" pitchFamily="49" charset="0"/>
-                      </a:endParaRPr>
-                    </a:p>
-                    <a:p>
-                      <a:pPr marL="342900" indent="-342900" algn="l">
-                        <a:buAutoNum type="arabicPeriod"/>
-                      </a:pPr>
+                      <a:r>
+                        <a:rPr lang="en-US" altLang="zh-CN" sz="2400" b="0" dirty="0" smtClean="0">
+                          <a:solidFill>
+                            <a:schemeClr val="tx1"/>
+                          </a:solidFill>
+                          <a:latin typeface="Consolas" panose="020B0609020204030204" pitchFamily="49" charset="0"/>
+                        </a:rPr>
+                        <a:t>-</a:t>
+                      </a:r>
                       <a:r>
                         <a:rPr lang="zh-CN" altLang="en-US" sz="2400" b="0" dirty="0" smtClean="0">
                           <a:solidFill>
@@ -3278,8 +3324,90 @@
                           </a:solidFill>
                           <a:latin typeface="Consolas" panose="020B0609020204030204" pitchFamily="49" charset="0"/>
                         </a:rPr>
-                        <a:t>兴趣爱好</a:t>
+                        <a:t>一节（一小时）</a:t>
                       </a:r>
+                    </a:p>
+                    <a:p>
+                      <a:pPr marL="342900" indent="-342900" algn="l">
+                        <a:buAutoNum type="arabicPeriod"/>
+                      </a:pPr>
+                      <a:r>
+                        <a:rPr lang="en-US" altLang="zh-CN" sz="2400" b="0" dirty="0" smtClean="0">
+                          <a:solidFill>
+                            <a:schemeClr val="tx1"/>
+                          </a:solidFill>
+                          <a:latin typeface="Consolas" panose="020B0609020204030204" pitchFamily="49" charset="0"/>
+                        </a:rPr>
+                        <a:t>python</a:t>
+                      </a:r>
+                      <a:r>
+                        <a:rPr lang="zh-CN" altLang="en-US" sz="2400" b="0" dirty="0" smtClean="0">
+                          <a:solidFill>
+                            <a:schemeClr val="tx1"/>
+                          </a:solidFill>
+                          <a:latin typeface="Consolas" panose="020B0609020204030204" pitchFamily="49" charset="0"/>
+                        </a:rPr>
+                        <a:t>知识体系</a:t>
+                      </a:r>
+                      <a:r>
+                        <a:rPr lang="en-US" altLang="zh-CN" sz="2400" b="0" dirty="0" smtClean="0">
+                          <a:solidFill>
+                            <a:schemeClr val="tx1"/>
+                          </a:solidFill>
+                          <a:latin typeface="Consolas" panose="020B0609020204030204" pitchFamily="49" charset="0"/>
+                        </a:rPr>
+                        <a:t>-</a:t>
+                      </a:r>
+                      <a:r>
+                        <a:rPr lang="zh-CN" altLang="en-US" sz="2400" b="0" dirty="0" smtClean="0">
+                          <a:solidFill>
+                            <a:schemeClr val="tx1"/>
+                          </a:solidFill>
+                          <a:latin typeface="Consolas" panose="020B0609020204030204" pitchFamily="49" charset="0"/>
+                        </a:rPr>
+                        <a:t>完善基本大概内容</a:t>
+                      </a:r>
+                      <a:r>
+                        <a:rPr lang="en-US" altLang="zh-CN" sz="2400" b="0" dirty="0" smtClean="0">
+                          <a:solidFill>
+                            <a:schemeClr val="tx1"/>
+                          </a:solidFill>
+                          <a:latin typeface="Consolas" panose="020B0609020204030204" pitchFamily="49" charset="0"/>
+                        </a:rPr>
+                        <a:t>-</a:t>
+                      </a:r>
+                      <a:r>
+                        <a:rPr lang="zh-CN" altLang="en-US" sz="2400" b="0" dirty="0" smtClean="0">
+                          <a:solidFill>
+                            <a:schemeClr val="tx1"/>
+                          </a:solidFill>
+                          <a:latin typeface="Consolas" panose="020B0609020204030204" pitchFamily="49" charset="0"/>
+                        </a:rPr>
+                        <a:t>参考</a:t>
+                      </a:r>
+                      <a:r>
+                        <a:rPr lang="en-US" altLang="zh-CN" sz="2400" b="0" dirty="0" smtClean="0">
+                          <a:solidFill>
+                            <a:schemeClr val="tx1"/>
+                          </a:solidFill>
+                          <a:latin typeface="Consolas" panose="020B0609020204030204" pitchFamily="49" charset="0"/>
+                        </a:rPr>
+                        <a:t>python</a:t>
+                      </a:r>
+                      <a:r>
+                        <a:rPr lang="zh-CN" altLang="en-US" sz="2400" b="0" dirty="0" smtClean="0">
+                          <a:solidFill>
+                            <a:schemeClr val="tx1"/>
+                          </a:solidFill>
+                          <a:latin typeface="Consolas" panose="020B0609020204030204" pitchFamily="49" charset="0"/>
+                        </a:rPr>
+                        <a:t>学习手册（一个半小时）</a:t>
+                      </a:r>
+                    </a:p>
+                    <a:p>
+                      <a:pPr marL="342900" indent="-342900" algn="l">
+                        <a:buAutoNum type="arabicPeriod"/>
+                      </a:pPr>
                       <a:endParaRPr lang="zh-CN" altLang="en-US" sz="2400" b="0" dirty="0">
                         <a:solidFill>
                           <a:schemeClr val="tx1"/>

--- a/重要 急 不重要 不急.pptx
+++ b/重要 急 不重要 不急.pptx
@@ -243,7 +243,7 @@
           <a:p>
             <a:fld id="{74B9FBB9-53F4-464E-AF37-F92054212F8D}" type="datetimeFigureOut">
               <a:rPr lang="zh-CN" altLang="en-US" smtClean="0"/>
-              <a:t>2018/8/29</a:t>
+              <a:t>2018/9/3</a:t>
             </a:fld>
             <a:endParaRPr lang="zh-CN" altLang="en-US"/>
           </a:p>
@@ -413,7 +413,7 @@
           <a:p>
             <a:fld id="{74B9FBB9-53F4-464E-AF37-F92054212F8D}" type="datetimeFigureOut">
               <a:rPr lang="zh-CN" altLang="en-US" smtClean="0"/>
-              <a:t>2018/8/29</a:t>
+              <a:t>2018/9/3</a:t>
             </a:fld>
             <a:endParaRPr lang="zh-CN" altLang="en-US"/>
           </a:p>
@@ -593,7 +593,7 @@
           <a:p>
             <a:fld id="{74B9FBB9-53F4-464E-AF37-F92054212F8D}" type="datetimeFigureOut">
               <a:rPr lang="zh-CN" altLang="en-US" smtClean="0"/>
-              <a:t>2018/8/29</a:t>
+              <a:t>2018/9/3</a:t>
             </a:fld>
             <a:endParaRPr lang="zh-CN" altLang="en-US"/>
           </a:p>
@@ -763,7 +763,7 @@
           <a:p>
             <a:fld id="{74B9FBB9-53F4-464E-AF37-F92054212F8D}" type="datetimeFigureOut">
               <a:rPr lang="zh-CN" altLang="en-US" smtClean="0"/>
-              <a:t>2018/8/29</a:t>
+              <a:t>2018/9/3</a:t>
             </a:fld>
             <a:endParaRPr lang="zh-CN" altLang="en-US"/>
           </a:p>
@@ -1009,7 +1009,7 @@
           <a:p>
             <a:fld id="{74B9FBB9-53F4-464E-AF37-F92054212F8D}" type="datetimeFigureOut">
               <a:rPr lang="zh-CN" altLang="en-US" smtClean="0"/>
-              <a:t>2018/8/29</a:t>
+              <a:t>2018/9/3</a:t>
             </a:fld>
             <a:endParaRPr lang="zh-CN" altLang="en-US"/>
           </a:p>
@@ -1241,7 +1241,7 @@
           <a:p>
             <a:fld id="{74B9FBB9-53F4-464E-AF37-F92054212F8D}" type="datetimeFigureOut">
               <a:rPr lang="zh-CN" altLang="en-US" smtClean="0"/>
-              <a:t>2018/8/29</a:t>
+              <a:t>2018/9/3</a:t>
             </a:fld>
             <a:endParaRPr lang="zh-CN" altLang="en-US"/>
           </a:p>
@@ -1608,7 +1608,7 @@
           <a:p>
             <a:fld id="{74B9FBB9-53F4-464E-AF37-F92054212F8D}" type="datetimeFigureOut">
               <a:rPr lang="zh-CN" altLang="en-US" smtClean="0"/>
-              <a:t>2018/8/29</a:t>
+              <a:t>2018/9/3</a:t>
             </a:fld>
             <a:endParaRPr lang="zh-CN" altLang="en-US"/>
           </a:p>
@@ -1726,7 +1726,7 @@
           <a:p>
             <a:fld id="{74B9FBB9-53F4-464E-AF37-F92054212F8D}" type="datetimeFigureOut">
               <a:rPr lang="zh-CN" altLang="en-US" smtClean="0"/>
-              <a:t>2018/8/29</a:t>
+              <a:t>2018/9/3</a:t>
             </a:fld>
             <a:endParaRPr lang="zh-CN" altLang="en-US"/>
           </a:p>
@@ -1821,7 +1821,7 @@
           <a:p>
             <a:fld id="{74B9FBB9-53F4-464E-AF37-F92054212F8D}" type="datetimeFigureOut">
               <a:rPr lang="zh-CN" altLang="en-US" smtClean="0"/>
-              <a:t>2018/8/29</a:t>
+              <a:t>2018/9/3</a:t>
             </a:fld>
             <a:endParaRPr lang="zh-CN" altLang="en-US"/>
           </a:p>
@@ -2098,7 +2098,7 @@
           <a:p>
             <a:fld id="{74B9FBB9-53F4-464E-AF37-F92054212F8D}" type="datetimeFigureOut">
               <a:rPr lang="zh-CN" altLang="en-US" smtClean="0"/>
-              <a:t>2018/8/29</a:t>
+              <a:t>2018/9/3</a:t>
             </a:fld>
             <a:endParaRPr lang="zh-CN" altLang="en-US"/>
           </a:p>
@@ -2351,7 +2351,7 @@
           <a:p>
             <a:fld id="{74B9FBB9-53F4-464E-AF37-F92054212F8D}" type="datetimeFigureOut">
               <a:rPr lang="zh-CN" altLang="en-US" smtClean="0"/>
-              <a:t>2018/8/29</a:t>
+              <a:t>2018/9/3</a:t>
             </a:fld>
             <a:endParaRPr lang="zh-CN" altLang="en-US"/>
           </a:p>
@@ -2564,7 +2564,7 @@
           <a:p>
             <a:fld id="{74B9FBB9-53F4-464E-AF37-F92054212F8D}" type="datetimeFigureOut">
               <a:rPr lang="zh-CN" altLang="en-US" smtClean="0"/>
-              <a:t>2018/8/29</a:t>
+              <a:t>2018/9/3</a:t>
             </a:fld>
             <a:endParaRPr lang="zh-CN" altLang="en-US"/>
           </a:p>
@@ -2978,7 +2978,7 @@
           <p:nvPr>
             <p:extLst>
               <p:ext uri="{D42A27DB-BD31-4B8C-83A1-F6EECF244321}">
-                <p14:modId xmlns:p14="http://schemas.microsoft.com/office/powerpoint/2010/main" val="964633160"/>
+                <p14:modId xmlns:p14="http://schemas.microsoft.com/office/powerpoint/2010/main" val="3237872016"/>
               </p:ext>
             </p:extLst>
           </p:nvPr>
@@ -3004,7 +3004,25 @@
                     <a:lstStyle/>
                     <a:p>
                       <a:pPr algn="l"/>
-                      <a:endParaRPr lang="zh-CN" altLang="en-US" sz="2400" b="0" dirty="0">
+                      <a:r>
+                        <a:rPr lang="en-US" altLang="zh-CN" sz="2400" b="0" strike="sngStrike" dirty="0" smtClean="0">
+                          <a:solidFill>
+                            <a:schemeClr val="tx1"/>
+                          </a:solidFill>
+                          <a:latin typeface="Consolas" panose="020B0609020204030204" pitchFamily="49" charset="0"/>
+                        </a:rPr>
+                        <a:t>1.</a:t>
+                      </a:r>
+                      <a:r>
+                        <a:rPr lang="zh-CN" altLang="en-US" sz="2400" b="0" strike="sngStrike" dirty="0" smtClean="0">
+                          <a:solidFill>
+                            <a:schemeClr val="tx1"/>
+                          </a:solidFill>
+                          <a:latin typeface="Consolas" panose="020B0609020204030204" pitchFamily="49" charset="0"/>
+                        </a:rPr>
+                        <a:t>培训分享</a:t>
+                      </a:r>
+                      <a:endParaRPr lang="zh-CN" altLang="en-US" sz="2400" b="0" strike="sngStrike" dirty="0">
                         <a:solidFill>
                           <a:schemeClr val="tx1"/>
                         </a:solidFill>
@@ -3054,43 +3072,7 @@
                           </a:solidFill>
                           <a:latin typeface="Consolas" panose="020B0609020204030204" pitchFamily="49" charset="0"/>
                         </a:rPr>
-                        <a:t>数据访问权限的功能</a:t>
-                      </a:r>
-                      <a:r>
-                        <a:rPr lang="en-US" altLang="zh-CN" sz="2400" b="0" dirty="0" smtClean="0">
-                          <a:solidFill>
-                            <a:schemeClr val="tx1"/>
-                          </a:solidFill>
-                          <a:latin typeface="Consolas" panose="020B0609020204030204" pitchFamily="49" charset="0"/>
-                        </a:rPr>
-                        <a:t>-</a:t>
-                      </a:r>
-                      <a:r>
-                        <a:rPr lang="zh-CN" altLang="en-US" sz="2400" b="0" dirty="0" smtClean="0">
-                          <a:solidFill>
-                            <a:schemeClr val="tx1"/>
-                          </a:solidFill>
-                          <a:latin typeface="Consolas" panose="020B0609020204030204" pitchFamily="49" charset="0"/>
-                        </a:rPr>
-                        <a:t>最终方案（一小时 列举出来</a:t>
-                      </a:r>
-                      <a:r>
-                        <a:rPr lang="en-US" altLang="zh-CN" sz="2400" b="0" dirty="0" smtClean="0">
-                          <a:solidFill>
-                            <a:schemeClr val="tx1"/>
-                          </a:solidFill>
-                          <a:latin typeface="Consolas" panose="020B0609020204030204" pitchFamily="49" charset="0"/>
-                        </a:rPr>
-                        <a:t>-</a:t>
-                      </a:r>
-                      <a:r>
-                        <a:rPr lang="zh-CN" altLang="en-US" sz="2400" b="0" smtClean="0">
-                          <a:solidFill>
-                            <a:schemeClr val="tx1"/>
-                          </a:solidFill>
-                          <a:latin typeface="Consolas" panose="020B0609020204030204" pitchFamily="49" charset="0"/>
-                        </a:rPr>
-                        <a:t>实现第一步）</a:t>
+                        <a:t>工作流框架方案；</a:t>
                       </a:r>
                       <a:endParaRPr lang="en-US" altLang="zh-CN" sz="2400" b="0" dirty="0" smtClean="0">
                         <a:solidFill>
@@ -3110,43 +3092,7 @@
                           </a:solidFill>
                           <a:latin typeface="Consolas" panose="020B0609020204030204" pitchFamily="49" charset="0"/>
                         </a:rPr>
-                        <a:t>爬虫笔记代码实现</a:t>
-                      </a:r>
-                      <a:r>
-                        <a:rPr lang="en-US" altLang="zh-CN" sz="2400" b="0" dirty="0" smtClean="0">
-                          <a:solidFill>
-                            <a:schemeClr val="tx1"/>
-                          </a:solidFill>
-                          <a:latin typeface="Consolas" panose="020B0609020204030204" pitchFamily="49" charset="0"/>
-                        </a:rPr>
-                        <a:t>-</a:t>
-                      </a:r>
-                      <a:r>
-                        <a:rPr lang="zh-CN" altLang="en-US" sz="2400" b="0" dirty="0" smtClean="0">
-                          <a:solidFill>
-                            <a:schemeClr val="tx1"/>
-                          </a:solidFill>
-                          <a:latin typeface="Consolas" panose="020B0609020204030204" pitchFamily="49" charset="0"/>
-                        </a:rPr>
-                        <a:t>上传</a:t>
-                      </a:r>
-                      <a:r>
-                        <a:rPr lang="en-US" altLang="zh-CN" sz="2400" b="0" dirty="0" smtClean="0">
-                          <a:solidFill>
-                            <a:schemeClr val="tx1"/>
-                          </a:solidFill>
-                          <a:latin typeface="Consolas" panose="020B0609020204030204" pitchFamily="49" charset="0"/>
-                        </a:rPr>
-                        <a:t>GH</a:t>
-                      </a:r>
-                      <a:r>
-                        <a:rPr lang="zh-CN" altLang="en-US" sz="2400" b="0" dirty="0" smtClean="0">
-                          <a:solidFill>
-                            <a:schemeClr val="tx1"/>
-                          </a:solidFill>
-                          <a:latin typeface="Consolas" panose="020B0609020204030204" pitchFamily="49" charset="0"/>
-                        </a:rPr>
-                        <a:t>（一小时）</a:t>
+                        <a:t>推荐算法；</a:t>
                       </a:r>
                       <a:endParaRPr lang="en-US" altLang="zh-CN" sz="2400" b="0" dirty="0" smtClean="0">
                         <a:solidFill>
@@ -3195,23 +3141,8 @@
                           </a:solidFill>
                           <a:latin typeface="Consolas" panose="020B0609020204030204" pitchFamily="49" charset="0"/>
                         </a:rPr>
-                        <a:t>1</a:t>
+                        <a:t>1.</a:t>
                       </a:r>
-                      <a:r>
-                        <a:rPr lang="en-US" altLang="zh-CN" sz="2400" b="0" dirty="0" smtClean="0">
-                          <a:solidFill>
-                            <a:schemeClr val="tx1"/>
-                          </a:solidFill>
-                          <a:latin typeface="Consolas" panose="020B0609020204030204" pitchFamily="49" charset="0"/>
-                        </a:rPr>
-                        <a:t>.</a:t>
-                      </a:r>
-                      <a:endParaRPr lang="en-US" altLang="zh-CN" sz="2400" b="0" dirty="0" smtClean="0">
-                        <a:solidFill>
-                          <a:schemeClr val="tx1"/>
-                        </a:solidFill>
-                        <a:latin typeface="Consolas" panose="020B0609020204030204" pitchFamily="49" charset="0"/>
-                      </a:endParaRPr>
                     </a:p>
                   </a:txBody>
                   <a:tcPr anchor="ctr">
@@ -3250,63 +3181,13 @@
                         <a:buAutoNum type="arabicPeriod"/>
                       </a:pPr>
                       <a:r>
-                        <a:rPr lang="en-US" altLang="zh-CN" sz="2400" b="0" dirty="0" smtClean="0">
-                          <a:solidFill>
-                            <a:schemeClr val="tx1"/>
-                          </a:solidFill>
-                          <a:latin typeface="Consolas" panose="020B0609020204030204" pitchFamily="49" charset="0"/>
-                        </a:rPr>
-                        <a:t>GitHub Wiki</a:t>
-                      </a:r>
-                      <a:r>
                         <a:rPr lang="zh-CN" altLang="en-US" sz="2400" b="0" dirty="0" smtClean="0">
                           <a:solidFill>
                             <a:schemeClr val="tx1"/>
                           </a:solidFill>
                           <a:latin typeface="Consolas" panose="020B0609020204030204" pitchFamily="49" charset="0"/>
                         </a:rPr>
-                        <a:t>侧边栏 </a:t>
-                      </a:r>
-                      <a:r>
-                        <a:rPr lang="en-US" altLang="zh-CN" sz="2400" b="0" dirty="0" smtClean="0">
-                          <a:solidFill>
-                            <a:schemeClr val="tx1"/>
-                          </a:solidFill>
-                          <a:latin typeface="Consolas" panose="020B0609020204030204" pitchFamily="49" charset="0"/>
-                        </a:rPr>
-                        <a:t>+ </a:t>
-                      </a:r>
-                      <a:r>
-                        <a:rPr lang="zh-CN" altLang="en-US" sz="2400" b="0" dirty="0" smtClean="0">
-                          <a:solidFill>
-                            <a:schemeClr val="tx1"/>
-                          </a:solidFill>
-                          <a:latin typeface="Consolas" panose="020B0609020204030204" pitchFamily="49" charset="0"/>
-                        </a:rPr>
-                        <a:t>主要内容部分（半小时）</a:t>
-                      </a:r>
-                    </a:p>
-                    <a:p>
-                      <a:pPr marL="342900" indent="-342900" algn="l">
-                        <a:buAutoNum type="arabicPeriod"/>
-                      </a:pPr>
-                      <a:r>
-                        <a:rPr lang="zh-CN" altLang="en-US" sz="2400" b="0" dirty="0" smtClean="0">
-                          <a:solidFill>
-                            <a:schemeClr val="tx1"/>
-                          </a:solidFill>
-                          <a:latin typeface="Consolas" panose="020B0609020204030204" pitchFamily="49" charset="0"/>
-                        </a:rPr>
-                        <a:t>论文</a:t>
-                      </a:r>
-                      <a:r>
-                        <a:rPr lang="en-US" altLang="zh-CN" sz="2400" b="0" dirty="0" err="1" smtClean="0">
-                          <a:solidFill>
-                            <a:schemeClr val="tx1"/>
-                          </a:solidFill>
-                          <a:latin typeface="Consolas" panose="020B0609020204030204" pitchFamily="49" charset="0"/>
-                        </a:rPr>
-                        <a:t>DeepLearning</a:t>
+                        <a:t>机器学习实战</a:t>
                       </a:r>
                       <a:r>
                         <a:rPr lang="en-US" altLang="zh-CN" sz="2400" b="0" dirty="0" smtClean="0">
@@ -3324,7 +3205,7 @@
                           </a:solidFill>
                           <a:latin typeface="Consolas" panose="020B0609020204030204" pitchFamily="49" charset="0"/>
                         </a:rPr>
-                        <a:t>一节（一小时）</a:t>
+                        <a:t>第四章；</a:t>
                       </a:r>
                     </a:p>
                     <a:p>
@@ -3332,14 +3213,19 @@
                         <a:buAutoNum type="arabicPeriod"/>
                       </a:pPr>
                       <a:r>
-                        <a:rPr lang="en-US" altLang="zh-CN" sz="2400" b="0" dirty="0" smtClean="0">
+                        <a:rPr lang="zh-CN" altLang="en-US" sz="2400" b="0" dirty="0" smtClean="0">
                           <a:solidFill>
                             <a:schemeClr val="tx1"/>
                           </a:solidFill>
                           <a:latin typeface="Consolas" panose="020B0609020204030204" pitchFamily="49" charset="0"/>
                         </a:rPr>
-                        <a:t>python</a:t>
+                        <a:t>知识结构体系搭建；</a:t>
                       </a:r>
+                    </a:p>
+                    <a:p>
+                      <a:pPr marL="342900" indent="-342900" algn="l">
+                        <a:buAutoNum type="arabicPeriod"/>
+                      </a:pPr>
                       <a:r>
                         <a:rPr lang="zh-CN" altLang="en-US" sz="2400" b="0" dirty="0" smtClean="0">
                           <a:solidFill>
@@ -3347,61 +3233,7 @@
                           </a:solidFill>
                           <a:latin typeface="Consolas" panose="020B0609020204030204" pitchFamily="49" charset="0"/>
                         </a:rPr>
-                        <a:t>知识体系</a:t>
-                      </a:r>
-                      <a:r>
-                        <a:rPr lang="en-US" altLang="zh-CN" sz="2400" b="0" dirty="0" smtClean="0">
-                          <a:solidFill>
-                            <a:schemeClr val="tx1"/>
-                          </a:solidFill>
-                          <a:latin typeface="Consolas" panose="020B0609020204030204" pitchFamily="49" charset="0"/>
-                        </a:rPr>
-                        <a:t>-</a:t>
-                      </a:r>
-                      <a:r>
-                        <a:rPr lang="zh-CN" altLang="en-US" sz="2400" b="0" dirty="0" smtClean="0">
-                          <a:solidFill>
-                            <a:schemeClr val="tx1"/>
-                          </a:solidFill>
-                          <a:latin typeface="Consolas" panose="020B0609020204030204" pitchFamily="49" charset="0"/>
-                        </a:rPr>
-                        <a:t>完善基本大概内容</a:t>
-                      </a:r>
-                      <a:r>
-                        <a:rPr lang="en-US" altLang="zh-CN" sz="2400" b="0" dirty="0" smtClean="0">
-                          <a:solidFill>
-                            <a:schemeClr val="tx1"/>
-                          </a:solidFill>
-                          <a:latin typeface="Consolas" panose="020B0609020204030204" pitchFamily="49" charset="0"/>
-                        </a:rPr>
-                        <a:t>-</a:t>
-                      </a:r>
-                      <a:r>
-                        <a:rPr lang="zh-CN" altLang="en-US" sz="2400" b="0" dirty="0" smtClean="0">
-                          <a:solidFill>
-                            <a:schemeClr val="tx1"/>
-                          </a:solidFill>
-                          <a:latin typeface="Consolas" panose="020B0609020204030204" pitchFamily="49" charset="0"/>
-                        </a:rPr>
-                        <a:t>参考</a:t>
-                      </a:r>
-                      <a:r>
-                        <a:rPr lang="en-US" altLang="zh-CN" sz="2400" b="0" dirty="0" smtClean="0">
-                          <a:solidFill>
-                            <a:schemeClr val="tx1"/>
-                          </a:solidFill>
-                          <a:latin typeface="Consolas" panose="020B0609020204030204" pitchFamily="49" charset="0"/>
-                        </a:rPr>
-                        <a:t>python</a:t>
-                      </a:r>
-                      <a:r>
-                        <a:rPr lang="zh-CN" altLang="en-US" sz="2400" b="0" dirty="0" smtClean="0">
-                          <a:solidFill>
-                            <a:schemeClr val="tx1"/>
-                          </a:solidFill>
-                          <a:latin typeface="Consolas" panose="020B0609020204030204" pitchFamily="49" charset="0"/>
-                        </a:rPr>
-                        <a:t>学习手册（一个半小时）</a:t>
+                        <a:t>代码简洁之道读书笔记；</a:t>
                       </a:r>
                     </a:p>
                     <a:p>

--- a/重要 急 不重要 不急.pptx
+++ b/重要 急 不重要 不急.pptx
@@ -243,7 +243,7 @@
           <a:p>
             <a:fld id="{74B9FBB9-53F4-464E-AF37-F92054212F8D}" type="datetimeFigureOut">
               <a:rPr lang="zh-CN" altLang="en-US" smtClean="0"/>
-              <a:t>2018/9/3</a:t>
+              <a:t>2018/9/15</a:t>
             </a:fld>
             <a:endParaRPr lang="zh-CN" altLang="en-US"/>
           </a:p>
@@ -413,7 +413,7 @@
           <a:p>
             <a:fld id="{74B9FBB9-53F4-464E-AF37-F92054212F8D}" type="datetimeFigureOut">
               <a:rPr lang="zh-CN" altLang="en-US" smtClean="0"/>
-              <a:t>2018/9/3</a:t>
+              <a:t>2018/9/15</a:t>
             </a:fld>
             <a:endParaRPr lang="zh-CN" altLang="en-US"/>
           </a:p>
@@ -593,7 +593,7 @@
           <a:p>
             <a:fld id="{74B9FBB9-53F4-464E-AF37-F92054212F8D}" type="datetimeFigureOut">
               <a:rPr lang="zh-CN" altLang="en-US" smtClean="0"/>
-              <a:t>2018/9/3</a:t>
+              <a:t>2018/9/15</a:t>
             </a:fld>
             <a:endParaRPr lang="zh-CN" altLang="en-US"/>
           </a:p>
@@ -763,7 +763,7 @@
           <a:p>
             <a:fld id="{74B9FBB9-53F4-464E-AF37-F92054212F8D}" type="datetimeFigureOut">
               <a:rPr lang="zh-CN" altLang="en-US" smtClean="0"/>
-              <a:t>2018/9/3</a:t>
+              <a:t>2018/9/15</a:t>
             </a:fld>
             <a:endParaRPr lang="zh-CN" altLang="en-US"/>
           </a:p>
@@ -1009,7 +1009,7 @@
           <a:p>
             <a:fld id="{74B9FBB9-53F4-464E-AF37-F92054212F8D}" type="datetimeFigureOut">
               <a:rPr lang="zh-CN" altLang="en-US" smtClean="0"/>
-              <a:t>2018/9/3</a:t>
+              <a:t>2018/9/15</a:t>
             </a:fld>
             <a:endParaRPr lang="zh-CN" altLang="en-US"/>
           </a:p>
@@ -1241,7 +1241,7 @@
           <a:p>
             <a:fld id="{74B9FBB9-53F4-464E-AF37-F92054212F8D}" type="datetimeFigureOut">
               <a:rPr lang="zh-CN" altLang="en-US" smtClean="0"/>
-              <a:t>2018/9/3</a:t>
+              <a:t>2018/9/15</a:t>
             </a:fld>
             <a:endParaRPr lang="zh-CN" altLang="en-US"/>
           </a:p>
@@ -1608,7 +1608,7 @@
           <a:p>
             <a:fld id="{74B9FBB9-53F4-464E-AF37-F92054212F8D}" type="datetimeFigureOut">
               <a:rPr lang="zh-CN" altLang="en-US" smtClean="0"/>
-              <a:t>2018/9/3</a:t>
+              <a:t>2018/9/15</a:t>
             </a:fld>
             <a:endParaRPr lang="zh-CN" altLang="en-US"/>
           </a:p>
@@ -1726,7 +1726,7 @@
           <a:p>
             <a:fld id="{74B9FBB9-53F4-464E-AF37-F92054212F8D}" type="datetimeFigureOut">
               <a:rPr lang="zh-CN" altLang="en-US" smtClean="0"/>
-              <a:t>2018/9/3</a:t>
+              <a:t>2018/9/15</a:t>
             </a:fld>
             <a:endParaRPr lang="zh-CN" altLang="en-US"/>
           </a:p>
@@ -1821,7 +1821,7 @@
           <a:p>
             <a:fld id="{74B9FBB9-53F4-464E-AF37-F92054212F8D}" type="datetimeFigureOut">
               <a:rPr lang="zh-CN" altLang="en-US" smtClean="0"/>
-              <a:t>2018/9/3</a:t>
+              <a:t>2018/9/15</a:t>
             </a:fld>
             <a:endParaRPr lang="zh-CN" altLang="en-US"/>
           </a:p>
@@ -2098,7 +2098,7 @@
           <a:p>
             <a:fld id="{74B9FBB9-53F4-464E-AF37-F92054212F8D}" type="datetimeFigureOut">
               <a:rPr lang="zh-CN" altLang="en-US" smtClean="0"/>
-              <a:t>2018/9/3</a:t>
+              <a:t>2018/9/15</a:t>
             </a:fld>
             <a:endParaRPr lang="zh-CN" altLang="en-US"/>
           </a:p>
@@ -2351,7 +2351,7 @@
           <a:p>
             <a:fld id="{74B9FBB9-53F4-464E-AF37-F92054212F8D}" type="datetimeFigureOut">
               <a:rPr lang="zh-CN" altLang="en-US" smtClean="0"/>
-              <a:t>2018/9/3</a:t>
+              <a:t>2018/9/15</a:t>
             </a:fld>
             <a:endParaRPr lang="zh-CN" altLang="en-US"/>
           </a:p>
@@ -2564,7 +2564,7 @@
           <a:p>
             <a:fld id="{74B9FBB9-53F4-464E-AF37-F92054212F8D}" type="datetimeFigureOut">
               <a:rPr lang="zh-CN" altLang="en-US" smtClean="0"/>
-              <a:t>2018/9/3</a:t>
+              <a:t>2018/9/15</a:t>
             </a:fld>
             <a:endParaRPr lang="zh-CN" altLang="en-US"/>
           </a:p>
@@ -2978,7 +2978,7 @@
           <p:nvPr>
             <p:extLst>
               <p:ext uri="{D42A27DB-BD31-4B8C-83A1-F6EECF244321}">
-                <p14:modId xmlns:p14="http://schemas.microsoft.com/office/powerpoint/2010/main" val="3237872016"/>
+                <p14:modId xmlns:p14="http://schemas.microsoft.com/office/powerpoint/2010/main" val="428651578"/>
               </p:ext>
             </p:extLst>
           </p:nvPr>
@@ -3003,26 +3003,11 @@
                     <a:bodyPr/>
                     <a:lstStyle/>
                     <a:p>
-                      <a:pPr algn="l"/>
-                      <a:r>
-                        <a:rPr lang="en-US" altLang="zh-CN" sz="2400" b="0" strike="sngStrike" dirty="0" smtClean="0">
-                          <a:solidFill>
-                            <a:schemeClr val="tx1"/>
-                          </a:solidFill>
-                          <a:latin typeface="Consolas" panose="020B0609020204030204" pitchFamily="49" charset="0"/>
-                        </a:rPr>
-                        <a:t>1.</a:t>
-                      </a:r>
-                      <a:r>
-                        <a:rPr lang="zh-CN" altLang="en-US" sz="2400" b="0" strike="sngStrike" dirty="0" smtClean="0">
-                          <a:solidFill>
-                            <a:schemeClr val="tx1"/>
-                          </a:solidFill>
-                          <a:latin typeface="Consolas" panose="020B0609020204030204" pitchFamily="49" charset="0"/>
-                        </a:rPr>
-                        <a:t>培训分享</a:t>
-                      </a:r>
-                      <a:endParaRPr lang="zh-CN" altLang="en-US" sz="2400" b="0" strike="sngStrike" dirty="0">
+                      <a:pPr marL="457200" indent="-457200" algn="l">
+                        <a:buFont typeface="+mj-lt"/>
+                        <a:buAutoNum type="arabicPeriod"/>
+                      </a:pPr>
+                      <a:endParaRPr lang="zh-CN" altLang="en-US" sz="2400" b="0" strike="noStrike" dirty="0">
                         <a:solidFill>
                           <a:schemeClr val="tx1"/>
                         </a:solidFill>
@@ -3072,7 +3057,25 @@
                           </a:solidFill>
                           <a:latin typeface="Consolas" panose="020B0609020204030204" pitchFamily="49" charset="0"/>
                         </a:rPr>
-                        <a:t>工作流框架方案；</a:t>
+                        <a:t>培训作业</a:t>
+                      </a:r>
+                      <a:r>
+                        <a:rPr lang="en-US" altLang="zh-CN" sz="2400" b="0" dirty="0" smtClean="0">
+                          <a:solidFill>
+                            <a:schemeClr val="tx1"/>
+                          </a:solidFill>
+                          <a:latin typeface="Consolas" panose="020B0609020204030204" pitchFamily="49" charset="0"/>
+                        </a:rPr>
+                        <a:t>1-2</a:t>
+                      </a:r>
+                      <a:r>
+                        <a:rPr lang="zh-CN" altLang="en-US" sz="2400" b="0" dirty="0" smtClean="0">
+                          <a:solidFill>
+                            <a:schemeClr val="tx1"/>
+                          </a:solidFill>
+                          <a:latin typeface="Consolas" panose="020B0609020204030204" pitchFamily="49" charset="0"/>
+                        </a:rPr>
+                        <a:t>；</a:t>
                       </a:r>
                       <a:endParaRPr lang="en-US" altLang="zh-CN" sz="2400" b="0" dirty="0" smtClean="0">
                         <a:solidFill>
@@ -3092,7 +3095,110 @@
                           </a:solidFill>
                           <a:latin typeface="Consolas" panose="020B0609020204030204" pitchFamily="49" charset="0"/>
                         </a:rPr>
-                        <a:t>推荐算法；</a:t>
+                        <a:t>机器学习实战</a:t>
+                      </a:r>
+                      <a:r>
+                        <a:rPr lang="en-US" altLang="zh-CN" sz="2400" b="0" dirty="0" smtClean="0">
+                          <a:solidFill>
+                            <a:schemeClr val="tx1"/>
+                          </a:solidFill>
+                          <a:latin typeface="Consolas" panose="020B0609020204030204" pitchFamily="49" charset="0"/>
+                        </a:rPr>
+                        <a:t>-</a:t>
+                      </a:r>
+                      <a:r>
+                        <a:rPr lang="zh-CN" altLang="en-US" sz="2400" b="0" dirty="0" smtClean="0">
+                          <a:solidFill>
+                            <a:schemeClr val="tx1"/>
+                          </a:solidFill>
+                          <a:latin typeface="Consolas" panose="020B0609020204030204" pitchFamily="49" charset="0"/>
+                        </a:rPr>
+                        <a:t>第四章；</a:t>
+                      </a:r>
+                      <a:endParaRPr lang="en-US" altLang="zh-CN" sz="2400" b="0" dirty="0" smtClean="0">
+                        <a:solidFill>
+                          <a:schemeClr val="tx1"/>
+                        </a:solidFill>
+                        <a:latin typeface="Consolas" panose="020B0609020204030204" pitchFamily="49" charset="0"/>
+                      </a:endParaRPr>
+                    </a:p>
+                    <a:p>
+                      <a:pPr marL="342900" indent="-342900" algn="l">
+                        <a:buAutoNum type="arabicPeriod"/>
+                      </a:pPr>
+                      <a:r>
+                        <a:rPr lang="zh-CN" altLang="en-US" sz="2400" b="0" dirty="0" smtClean="0">
+                          <a:solidFill>
+                            <a:schemeClr val="tx1"/>
+                          </a:solidFill>
+                          <a:latin typeface="Consolas" panose="020B0609020204030204" pitchFamily="49" charset="0"/>
+                        </a:rPr>
+                        <a:t>一篇论文</a:t>
+                      </a:r>
+                      <a:r>
+                        <a:rPr lang="en-US" altLang="zh-CN" sz="2400" b="0" dirty="0" smtClean="0">
+                          <a:solidFill>
+                            <a:schemeClr val="tx1"/>
+                          </a:solidFill>
+                          <a:latin typeface="Consolas" panose="020B0609020204030204" pitchFamily="49" charset="0"/>
+                        </a:rPr>
+                        <a:t>-</a:t>
+                      </a:r>
+                      <a:r>
+                        <a:rPr lang="zh-CN" altLang="en-US" sz="2400" b="0" dirty="0" smtClean="0">
+                          <a:solidFill>
+                            <a:schemeClr val="tx1"/>
+                          </a:solidFill>
+                          <a:latin typeface="Consolas" panose="020B0609020204030204" pitchFamily="49" charset="0"/>
+                        </a:rPr>
+                        <a:t>论文</a:t>
+                      </a:r>
+                      <a:r>
+                        <a:rPr lang="en-US" altLang="zh-CN" sz="2400" b="0" dirty="0" err="1" smtClean="0">
+                          <a:solidFill>
+                            <a:schemeClr val="tx1"/>
+                          </a:solidFill>
+                          <a:latin typeface="Consolas" panose="020B0609020204030204" pitchFamily="49" charset="0"/>
+                        </a:rPr>
+                        <a:t>DeepLearning</a:t>
+                      </a:r>
+                      <a:r>
+                        <a:rPr lang="zh-CN" altLang="en-US" sz="2400" b="0" dirty="0" smtClean="0">
+                          <a:solidFill>
+                            <a:schemeClr val="tx1"/>
+                          </a:solidFill>
+                          <a:latin typeface="Consolas" panose="020B0609020204030204" pitchFamily="49" charset="0"/>
+                        </a:rPr>
+                        <a:t>；</a:t>
+                      </a:r>
+                      <a:endParaRPr lang="en-US" altLang="zh-CN" sz="2400" b="0" dirty="0" smtClean="0">
+                        <a:solidFill>
+                          <a:schemeClr val="tx1"/>
+                        </a:solidFill>
+                        <a:latin typeface="Consolas" panose="020B0609020204030204" pitchFamily="49" charset="0"/>
+                      </a:endParaRPr>
+                    </a:p>
+                    <a:p>
+                      <a:pPr marL="342900" indent="-342900" algn="l">
+                        <a:buAutoNum type="arabicPeriod"/>
+                      </a:pPr>
+                      <a:r>
+                        <a:rPr lang="en-US" altLang="zh-CN" sz="2400" b="0" dirty="0" smtClean="0">
+                          <a:solidFill>
+                            <a:schemeClr val="tx1"/>
+                          </a:solidFill>
+                          <a:latin typeface="Consolas" panose="020B0609020204030204" pitchFamily="49" charset="0"/>
+                        </a:rPr>
+                        <a:t>python</a:t>
+                      </a:r>
+                      <a:r>
+                        <a:rPr lang="zh-CN" altLang="en-US" sz="2400" b="0" dirty="0" smtClean="0">
+                          <a:solidFill>
+                            <a:schemeClr val="tx1"/>
+                          </a:solidFill>
+                          <a:latin typeface="Consolas" panose="020B0609020204030204" pitchFamily="49" charset="0"/>
+                        </a:rPr>
+                        <a:t>标准数据类型；</a:t>
                       </a:r>
                       <a:endParaRPr lang="en-US" altLang="zh-CN" sz="2400" b="0" dirty="0" smtClean="0">
                         <a:solidFill>
@@ -3133,16 +3239,68 @@
                     <a:bodyPr/>
                     <a:lstStyle/>
                     <a:p>
+                      <a:pPr marL="457200" indent="-457200" algn="l">
+                        <a:buFont typeface="+mj-lt"/>
+                        <a:buAutoNum type="arabicPeriod"/>
+                      </a:pPr>
+                      <a:r>
+                        <a:rPr lang="zh-CN" altLang="zh-CN" sz="2400" dirty="0" smtClean="0">
+                          <a:effectLst/>
+                          <a:latin typeface="Consolas" panose="020B0609020204030204" pitchFamily="49" charset="0"/>
+                          <a:ea typeface="+mn-ea"/>
+                          <a:cs typeface="Times New Roman" panose="02020603050405020304" pitchFamily="18" charset="0"/>
+                        </a:rPr>
+                        <a:t>整理微信最新收藏；</a:t>
+                      </a:r>
+                      <a:endParaRPr lang="en-US" altLang="zh-CN" sz="2400" dirty="0" smtClean="0">
+                        <a:effectLst/>
+                        <a:latin typeface="Consolas" panose="020B0609020204030204" pitchFamily="49" charset="0"/>
+                        <a:ea typeface="+mn-ea"/>
+                        <a:cs typeface="Times New Roman" panose="02020603050405020304" pitchFamily="18" charset="0"/>
+                      </a:endParaRPr>
+                    </a:p>
+                    <a:p>
+                      <a:pPr marL="457200" marR="0" lvl="0" indent="-457200" algn="l" defTabSz="914400" rtl="0" eaLnBrk="1" fontAlgn="auto" latinLnBrk="0" hangingPunct="1">
+                        <a:lnSpc>
+                          <a:spcPct val="100000"/>
+                        </a:lnSpc>
+                        <a:spcBef>
+                          <a:spcPts val="0"/>
+                        </a:spcBef>
+                        <a:spcAft>
+                          <a:spcPts val="0"/>
+                        </a:spcAft>
+                        <a:buClrTx/>
+                        <a:buSzTx/>
+                        <a:buFont typeface="+mj-lt"/>
+                        <a:buAutoNum type="arabicPeriod"/>
+                        <a:tabLst/>
+                        <a:defRPr/>
+                      </a:pPr>
+                      <a:r>
+                        <a:rPr lang="zh-CN" altLang="zh-CN" sz="2400" dirty="0" smtClean="0">
+                          <a:effectLst/>
+                          <a:latin typeface="Consolas" panose="020B0609020204030204" pitchFamily="49" charset="0"/>
+                          <a:ea typeface="+mn-ea"/>
+                          <a:cs typeface="Times New Roman" panose="02020603050405020304" pitchFamily="18" charset="0"/>
+                        </a:rPr>
+                        <a:t>吉他；</a:t>
+                      </a:r>
+                      <a:endParaRPr lang="en-US" altLang="zh-CN" sz="2400" dirty="0" smtClean="0">
+                        <a:effectLst/>
+                        <a:latin typeface="Consolas" panose="020B0609020204030204" pitchFamily="49" charset="0"/>
+                        <a:ea typeface="+mn-ea"/>
+                        <a:cs typeface="Times New Roman" panose="02020603050405020304" pitchFamily="18" charset="0"/>
+                      </a:endParaRPr>
+                    </a:p>
+                    <a:p>
                       <a:pPr algn="l"/>
-                      <a:r>
-                        <a:rPr lang="en-US" altLang="zh-CN" sz="2400" b="0" dirty="0" smtClean="0">
-                          <a:solidFill>
-                            <a:schemeClr val="tx1"/>
-                          </a:solidFill>
-                          <a:latin typeface="Consolas" panose="020B0609020204030204" pitchFamily="49" charset="0"/>
-                        </a:rPr>
-                        <a:t>1.</a:t>
-                      </a:r>
+                      <a:endParaRPr lang="en-US" altLang="zh-CN" sz="2400" b="0" dirty="0" smtClean="0">
+                        <a:solidFill>
+                          <a:schemeClr val="tx1"/>
+                        </a:solidFill>
+                        <a:latin typeface="Consolas" panose="020B0609020204030204" pitchFamily="49" charset="0"/>
+                      </a:endParaRPr>
                     </a:p>
                   </a:txBody>
                   <a:tcPr anchor="ctr">
@@ -3181,22 +3339,31 @@
                         <a:buAutoNum type="arabicPeriod"/>
                       </a:pPr>
                       <a:r>
-                        <a:rPr lang="zh-CN" altLang="en-US" sz="2400" b="0" dirty="0" smtClean="0">
-                          <a:solidFill>
-                            <a:schemeClr val="tx1"/>
-                          </a:solidFill>
+                        <a:rPr lang="zh-CN" altLang="zh-CN" sz="2400" dirty="0" smtClean="0">
+                          <a:effectLst/>
                           <a:latin typeface="Consolas" panose="020B0609020204030204" pitchFamily="49" charset="0"/>
+                          <a:ea typeface="+mn-ea"/>
+                          <a:cs typeface="Times New Roman" panose="02020603050405020304" pitchFamily="18" charset="0"/>
                         </a:rPr>
-                        <a:t>机器学习实战</a:t>
+                        <a:t>金融</a:t>
                       </a:r>
                       <a:r>
-                        <a:rPr lang="en-US" altLang="zh-CN" sz="2400" b="0" dirty="0" smtClean="0">
-                          <a:solidFill>
-                            <a:schemeClr val="tx1"/>
-                          </a:solidFill>
+                        <a:rPr lang="en-US" altLang="zh-CN" sz="2400" dirty="0" smtClean="0">
+                          <a:effectLst/>
                           <a:latin typeface="Consolas" panose="020B0609020204030204" pitchFamily="49" charset="0"/>
+                          <a:ea typeface="+mn-ea"/>
+                          <a:cs typeface="Times New Roman" panose="02020603050405020304" pitchFamily="18" charset="0"/>
                         </a:rPr>
                         <a:t>-</a:t>
+                      </a:r>
+                      <a:r>
+                        <a:rPr lang="zh-CN" altLang="zh-CN" sz="2400" dirty="0" smtClean="0">
+                          <a:effectLst/>
+                          <a:latin typeface="Consolas" panose="020B0609020204030204" pitchFamily="49" charset="0"/>
+                          <a:ea typeface="+mn-ea"/>
+                          <a:cs typeface="Times New Roman" panose="02020603050405020304" pitchFamily="18" charset="0"/>
+                        </a:rPr>
+                        <a:t>缠中说禅一到二章节</a:t>
                       </a:r>
                       <a:r>
                         <a:rPr lang="zh-CN" altLang="en-US" sz="2400" b="0" dirty="0" smtClean="0">
@@ -3205,8 +3372,43 @@
                           </a:solidFill>
                           <a:latin typeface="Consolas" panose="020B0609020204030204" pitchFamily="49" charset="0"/>
                         </a:rPr>
-                        <a:t>第四章；</a:t>
+                        <a:t>；</a:t>
                       </a:r>
+                      <a:endParaRPr lang="en-US" altLang="zh-CN" sz="2400" b="0" dirty="0" smtClean="0">
+                        <a:solidFill>
+                          <a:schemeClr val="tx1"/>
+                        </a:solidFill>
+                        <a:latin typeface="Consolas" panose="020B0609020204030204" pitchFamily="49" charset="0"/>
+                      </a:endParaRPr>
+                    </a:p>
+                    <a:p>
+                      <a:pPr marL="342900" indent="-342900" algn="l">
+                        <a:buAutoNum type="arabicPeriod"/>
+                      </a:pPr>
+                      <a:r>
+                        <a:rPr lang="en-US" altLang="zh-CN" sz="2400" b="0" dirty="0" smtClean="0">
+                          <a:solidFill>
+                            <a:schemeClr val="tx1"/>
+                          </a:solidFill>
+                          <a:latin typeface="Consolas" panose="020B0609020204030204" pitchFamily="49" charset="0"/>
+                        </a:rPr>
+                        <a:t>python-web</a:t>
+                      </a:r>
+                      <a:r>
+                        <a:rPr lang="zh-CN" altLang="en-US" sz="2400" b="0" dirty="0" smtClean="0">
+                          <a:solidFill>
+                            <a:schemeClr val="tx1"/>
+                          </a:solidFill>
+                          <a:latin typeface="Consolas" panose="020B0609020204030204" pitchFamily="49" charset="0"/>
+                        </a:rPr>
+                        <a:t>；</a:t>
+                      </a:r>
+                      <a:endParaRPr lang="zh-CN" altLang="en-US" sz="2400" b="0" dirty="0" smtClean="0">
+                        <a:solidFill>
+                          <a:schemeClr val="tx1"/>
+                        </a:solidFill>
+                        <a:latin typeface="Consolas" panose="020B0609020204030204" pitchFamily="49" charset="0"/>
+                      </a:endParaRPr>
                     </a:p>
                     <a:p>
                       <a:pPr marL="342900" indent="-342900" algn="l">
@@ -3227,14 +3429,76 @@
                         <a:buAutoNum type="arabicPeriod"/>
                       </a:pPr>
                       <a:r>
-                        <a:rPr lang="zh-CN" altLang="en-US" sz="2400" b="0" dirty="0" smtClean="0">
-                          <a:solidFill>
-                            <a:schemeClr val="tx1"/>
-                          </a:solidFill>
+                        <a:rPr lang="zh-CN" altLang="zh-CN" sz="2400" dirty="0" smtClean="0">
+                          <a:effectLst/>
                           <a:latin typeface="Consolas" panose="020B0609020204030204" pitchFamily="49" charset="0"/>
+                          <a:ea typeface="+mn-ea"/>
+                          <a:cs typeface="Times New Roman" panose="02020603050405020304" pitchFamily="18" charset="0"/>
                         </a:rPr>
-                        <a:t>代码简洁之道读书笔记；</a:t>
+                        <a:t>一个新的技术</a:t>
                       </a:r>
+                      <a:r>
+                        <a:rPr lang="en-US" altLang="zh-CN" sz="2400" dirty="0" smtClean="0">
+                          <a:effectLst/>
+                          <a:latin typeface="Consolas" panose="020B0609020204030204" pitchFamily="49" charset="0"/>
+                          <a:ea typeface="+mn-ea"/>
+                          <a:cs typeface="Times New Roman" panose="02020603050405020304" pitchFamily="18" charset="0"/>
+                        </a:rPr>
+                        <a:t>/</a:t>
+                      </a:r>
+                      <a:r>
+                        <a:rPr lang="zh-CN" altLang="zh-CN" sz="2400" dirty="0" smtClean="0">
+                          <a:effectLst/>
+                          <a:latin typeface="Consolas" panose="020B0609020204030204" pitchFamily="49" charset="0"/>
+                          <a:ea typeface="+mn-ea"/>
+                          <a:cs typeface="Times New Roman" panose="02020603050405020304" pitchFamily="18" charset="0"/>
+                        </a:rPr>
+                        <a:t>工具；（</a:t>
+                      </a:r>
+                      <a:r>
+                        <a:rPr lang="en-US" altLang="zh-CN" sz="2400" dirty="0" smtClean="0">
+                          <a:effectLst/>
+                          <a:latin typeface="Consolas" panose="020B0609020204030204" pitchFamily="49" charset="0"/>
+                          <a:ea typeface="+mn-ea"/>
+                          <a:cs typeface="Times New Roman" panose="02020603050405020304" pitchFamily="18" charset="0"/>
+                        </a:rPr>
+                        <a:t>python</a:t>
+                      </a:r>
+                      <a:r>
+                        <a:rPr lang="zh-CN" altLang="zh-CN" sz="2400" dirty="0" smtClean="0">
+                          <a:effectLst/>
+                          <a:latin typeface="Consolas" panose="020B0609020204030204" pitchFamily="49" charset="0"/>
+                          <a:ea typeface="+mn-ea"/>
+                          <a:cs typeface="Times New Roman" panose="02020603050405020304" pitchFamily="18" charset="0"/>
+                        </a:rPr>
+                        <a:t>协程）</a:t>
+                      </a:r>
+                      <a:endParaRPr lang="en-US" altLang="zh-CN" sz="2400" dirty="0" smtClean="0">
+                        <a:effectLst/>
+                        <a:latin typeface="Consolas" panose="020B0609020204030204" pitchFamily="49" charset="0"/>
+                        <a:ea typeface="+mn-ea"/>
+                        <a:cs typeface="Times New Roman" panose="02020603050405020304" pitchFamily="18" charset="0"/>
+                      </a:endParaRPr>
+                    </a:p>
+                    <a:p>
+                      <a:pPr marL="342900" indent="-342900" algn="l">
+                        <a:buAutoNum type="arabicPeriod"/>
+                      </a:pPr>
+                      <a:r>
+                        <a:rPr lang="zh-CN" altLang="zh-CN" sz="2400" dirty="0" smtClean="0">
+                          <a:effectLst/>
+                          <a:latin typeface="Consolas" panose="020B0609020204030204" pitchFamily="49" charset="0"/>
+                          <a:ea typeface="+mn-ea"/>
+                          <a:cs typeface="Times New Roman" panose="02020603050405020304" pitchFamily="18" charset="0"/>
+                        </a:rPr>
+                        <a:t>一次刻意编程练习，对比录制视频做总结；</a:t>
+                      </a:r>
+                      <a:endParaRPr lang="zh-CN" altLang="en-US" sz="2400" b="0" dirty="0" smtClean="0">
+                        <a:solidFill>
+                          <a:schemeClr val="tx1"/>
+                        </a:solidFill>
+                        <a:latin typeface="Consolas" panose="020B0609020204030204" pitchFamily="49" charset="0"/>
+                      </a:endParaRPr>
                     </a:p>
                     <a:p>
                       <a:pPr marL="342900" indent="-342900" algn="l">
